--- a/01_视频教程/课堂PPT/3-6_下拉列表(lv_dropdown).pptx
+++ b/01_视频教程/课堂PPT/3-6_下拉列表(lv_dropdown).pptx
@@ -364,7 +364,7 @@
           <a:p>
             <a:fld id="{E317E137-ED4E-4D7C-9DD8-04B774B853BB}" type="datetimeFigureOut">
               <a:rPr lang="zh-CN" altLang="en-US" smtClean="0"/>
-              <a:t>2022/3/18</a:t>
+              <a:t>2022/3/21</a:t>
             </a:fld>
             <a:endParaRPr lang="zh-CN" altLang="en-US"/>
           </a:p>
@@ -562,7 +562,7 @@
           <a:p>
             <a:fld id="{E317E137-ED4E-4D7C-9DD8-04B774B853BB}" type="datetimeFigureOut">
               <a:rPr lang="zh-CN" altLang="en-US" smtClean="0"/>
-              <a:t>2022/3/18</a:t>
+              <a:t>2022/3/21</a:t>
             </a:fld>
             <a:endParaRPr lang="zh-CN" altLang="en-US"/>
           </a:p>
@@ -770,7 +770,7 @@
           <a:p>
             <a:fld id="{E317E137-ED4E-4D7C-9DD8-04B774B853BB}" type="datetimeFigureOut">
               <a:rPr lang="zh-CN" altLang="en-US" smtClean="0"/>
-              <a:t>2022/3/18</a:t>
+              <a:t>2022/3/21</a:t>
             </a:fld>
             <a:endParaRPr lang="zh-CN" altLang="en-US"/>
           </a:p>
@@ -968,7 +968,7 @@
           <a:p>
             <a:fld id="{E317E137-ED4E-4D7C-9DD8-04B774B853BB}" type="datetimeFigureOut">
               <a:rPr lang="zh-CN" altLang="en-US" smtClean="0"/>
-              <a:t>2022/3/18</a:t>
+              <a:t>2022/3/21</a:t>
             </a:fld>
             <a:endParaRPr lang="zh-CN" altLang="en-US"/>
           </a:p>
@@ -1243,7 +1243,7 @@
           <a:p>
             <a:fld id="{E317E137-ED4E-4D7C-9DD8-04B774B853BB}" type="datetimeFigureOut">
               <a:rPr lang="zh-CN" altLang="en-US" smtClean="0"/>
-              <a:t>2022/3/18</a:t>
+              <a:t>2022/3/21</a:t>
             </a:fld>
             <a:endParaRPr lang="zh-CN" altLang="en-US"/>
           </a:p>
@@ -1508,7 +1508,7 @@
           <a:p>
             <a:fld id="{E317E137-ED4E-4D7C-9DD8-04B774B853BB}" type="datetimeFigureOut">
               <a:rPr lang="zh-CN" altLang="en-US" smtClean="0"/>
-              <a:t>2022/3/18</a:t>
+              <a:t>2022/3/21</a:t>
             </a:fld>
             <a:endParaRPr lang="zh-CN" altLang="en-US"/>
           </a:p>
@@ -1920,7 +1920,7 @@
           <a:p>
             <a:fld id="{E317E137-ED4E-4D7C-9DD8-04B774B853BB}" type="datetimeFigureOut">
               <a:rPr lang="zh-CN" altLang="en-US" smtClean="0"/>
-              <a:t>2022/3/18</a:t>
+              <a:t>2022/3/21</a:t>
             </a:fld>
             <a:endParaRPr lang="zh-CN" altLang="en-US"/>
           </a:p>
@@ -2061,7 +2061,7 @@
           <a:p>
             <a:fld id="{E317E137-ED4E-4D7C-9DD8-04B774B853BB}" type="datetimeFigureOut">
               <a:rPr lang="zh-CN" altLang="en-US" smtClean="0"/>
-              <a:t>2022/3/18</a:t>
+              <a:t>2022/3/21</a:t>
             </a:fld>
             <a:endParaRPr lang="zh-CN" altLang="en-US"/>
           </a:p>
@@ -2174,7 +2174,7 @@
           <a:p>
             <a:fld id="{E317E137-ED4E-4D7C-9DD8-04B774B853BB}" type="datetimeFigureOut">
               <a:rPr lang="zh-CN" altLang="en-US" smtClean="0"/>
-              <a:t>2022/3/18</a:t>
+              <a:t>2022/3/21</a:t>
             </a:fld>
             <a:endParaRPr lang="zh-CN" altLang="en-US"/>
           </a:p>
@@ -2485,7 +2485,7 @@
           <a:p>
             <a:fld id="{E317E137-ED4E-4D7C-9DD8-04B774B853BB}" type="datetimeFigureOut">
               <a:rPr lang="zh-CN" altLang="en-US" smtClean="0"/>
-              <a:t>2022/3/18</a:t>
+              <a:t>2022/3/21</a:t>
             </a:fld>
             <a:endParaRPr lang="zh-CN" altLang="en-US"/>
           </a:p>
@@ -2773,7 +2773,7 @@
           <a:p>
             <a:fld id="{E317E137-ED4E-4D7C-9DD8-04B774B853BB}" type="datetimeFigureOut">
               <a:rPr lang="zh-CN" altLang="en-US" smtClean="0"/>
-              <a:t>2022/3/18</a:t>
+              <a:t>2022/3/21</a:t>
             </a:fld>
             <a:endParaRPr lang="zh-CN" altLang="en-US"/>
           </a:p>
@@ -3014,7 +3014,7 @@
           <a:p>
             <a:fld id="{E317E137-ED4E-4D7C-9DD8-04B774B853BB}" type="datetimeFigureOut">
               <a:rPr lang="zh-CN" altLang="en-US" smtClean="0"/>
-              <a:t>2022/3/18</a:t>
+              <a:t>2022/3/21</a:t>
             </a:fld>
             <a:endParaRPr lang="zh-CN" altLang="en-US"/>
           </a:p>
@@ -4130,6 +4130,324 @@
           </a:prstGeom>
         </p:spPr>
       </p:pic>
+      <p:sp>
+        <p:nvSpPr>
+          <p:cNvPr id="6" name="文本框 5">
+            <a:extLst>
+              <a:ext uri="{FF2B5EF4-FFF2-40B4-BE49-F238E27FC236}">
+                <a16:creationId xmlns:a16="http://schemas.microsoft.com/office/drawing/2014/main" id="{B51F8D51-6E89-45F4-A7EF-F5A4DC17D999}"/>
+              </a:ext>
+            </a:extLst>
+          </p:cNvPr>
+          <p:cNvSpPr txBox="1"/>
+          <p:nvPr/>
+        </p:nvSpPr>
+        <p:spPr>
+          <a:xfrm>
+            <a:off x="0" y="5680268"/>
+            <a:ext cx="2896947" cy="307777"/>
+          </a:xfrm>
+          <a:prstGeom prst="rect">
+            <a:avLst/>
+          </a:prstGeom>
+          <a:noFill/>
+        </p:spPr>
+        <p:txBody>
+          <a:bodyPr wrap="none" rtlCol="0">
+            <a:spAutoFit/>
+          </a:bodyPr>
+          <a:lstStyle/>
+          <a:p>
+            <a:r>
+              <a:rPr lang="en-US" altLang="zh-CN" sz="1400">
+                <a:hlinkClick r:id="rId3"/>
+              </a:rPr>
+              <a:t>LVGL</a:t>
+            </a:r>
+            <a:r>
+              <a:rPr lang="zh-CN" altLang="en-US" sz="1400">
+                <a:hlinkClick r:id="rId3"/>
+              </a:rPr>
+              <a:t>官方文档：</a:t>
+            </a:r>
+            <a:r>
+              <a:rPr lang="en-US" altLang="zh-CN" sz="1400">
+                <a:hlinkClick r:id="rId3"/>
+              </a:rPr>
+              <a:t>https</a:t>
+            </a:r>
+            <a:r>
+              <a:rPr lang="en-US" altLang="zh-CN" sz="1400" dirty="0">
+                <a:hlinkClick r:id="rId3"/>
+              </a:rPr>
+              <a:t>://docs.lvgl.io</a:t>
+            </a:r>
+            <a:endParaRPr lang="zh-CN" altLang="en-US" sz="1400" dirty="0"/>
+          </a:p>
+        </p:txBody>
+      </p:sp>
+      <p:sp>
+        <p:nvSpPr>
+          <p:cNvPr id="7" name="文本框 6">
+            <a:extLst>
+              <a:ext uri="{FF2B5EF4-FFF2-40B4-BE49-F238E27FC236}">
+                <a16:creationId xmlns:a16="http://schemas.microsoft.com/office/drawing/2014/main" id="{026DE639-C71B-477E-94E6-E06BCECB3996}"/>
+              </a:ext>
+            </a:extLst>
+          </p:cNvPr>
+          <p:cNvSpPr txBox="1"/>
+          <p:nvPr/>
+        </p:nvSpPr>
+        <p:spPr>
+          <a:xfrm>
+            <a:off x="-16778" y="6128295"/>
+            <a:ext cx="3640740" cy="307777"/>
+          </a:xfrm>
+          <a:prstGeom prst="rect">
+            <a:avLst/>
+          </a:prstGeom>
+          <a:noFill/>
+        </p:spPr>
+        <p:txBody>
+          <a:bodyPr wrap="none" rtlCol="0">
+            <a:spAutoFit/>
+          </a:bodyPr>
+          <a:lstStyle/>
+          <a:p>
+            <a:r>
+              <a:rPr lang="zh-CN" altLang="en-US" sz="1400">
+                <a:hlinkClick r:id="rId4"/>
+              </a:rPr>
+              <a:t>百问网</a:t>
+            </a:r>
+            <a:r>
+              <a:rPr lang="en-US" altLang="zh-CN" sz="1400">
+                <a:hlinkClick r:id="rId4"/>
+              </a:rPr>
+              <a:t>LVGL</a:t>
+            </a:r>
+            <a:r>
+              <a:rPr lang="zh-CN" altLang="en-US" sz="1400">
+                <a:hlinkClick r:id="rId4"/>
+              </a:rPr>
+              <a:t>中文站点：</a:t>
+            </a:r>
+            <a:r>
+              <a:rPr lang="en-US" altLang="zh-CN" sz="1400">
+                <a:hlinkClick r:id="rId4"/>
+              </a:rPr>
+              <a:t>http</a:t>
+            </a:r>
+            <a:r>
+              <a:rPr lang="en-US" altLang="zh-CN" sz="1400" dirty="0">
+                <a:hlinkClick r:id="rId4"/>
+              </a:rPr>
+              <a:t>://lvgl.100ask.net</a:t>
+            </a:r>
+            <a:endParaRPr lang="zh-CN" altLang="en-US" sz="1400" dirty="0"/>
+          </a:p>
+        </p:txBody>
+      </p:sp>
+      <p:sp>
+        <p:nvSpPr>
+          <p:cNvPr id="8" name="文本框 7">
+            <a:extLst>
+              <a:ext uri="{FF2B5EF4-FFF2-40B4-BE49-F238E27FC236}">
+                <a16:creationId xmlns:a16="http://schemas.microsoft.com/office/drawing/2014/main" id="{78164997-17A4-4DE0-B4A7-C2F02412319D}"/>
+              </a:ext>
+            </a:extLst>
+          </p:cNvPr>
+          <p:cNvSpPr txBox="1"/>
+          <p:nvPr/>
+        </p:nvSpPr>
+        <p:spPr>
+          <a:xfrm>
+            <a:off x="4460" y="5472012"/>
+            <a:ext cx="4183722" cy="307777"/>
+          </a:xfrm>
+          <a:prstGeom prst="rect">
+            <a:avLst/>
+          </a:prstGeom>
+          <a:noFill/>
+        </p:spPr>
+        <p:txBody>
+          <a:bodyPr wrap="square">
+            <a:spAutoFit/>
+          </a:bodyPr>
+          <a:lstStyle/>
+          <a:p>
+            <a:r>
+              <a:rPr lang="en-US" altLang="zh-CN" sz="1400">
+                <a:hlinkClick r:id="rId5"/>
+              </a:rPr>
+              <a:t>LVGL</a:t>
+            </a:r>
+            <a:r>
+              <a:rPr lang="zh-CN" altLang="en-US" sz="1400">
+                <a:hlinkClick r:id="rId5"/>
+              </a:rPr>
+              <a:t>官网：https</a:t>
+            </a:r>
+            <a:r>
+              <a:rPr lang="zh-CN" altLang="en-US" sz="1400" dirty="0">
+                <a:hlinkClick r:id="rId5"/>
+              </a:rPr>
+              <a:t>://lvgl.io</a:t>
+            </a:r>
+            <a:endParaRPr lang="zh-CN" altLang="en-US" sz="1400" dirty="0"/>
+          </a:p>
+        </p:txBody>
+      </p:sp>
+      <p:sp>
+        <p:nvSpPr>
+          <p:cNvPr id="10" name="文本框 9">
+            <a:extLst>
+              <a:ext uri="{FF2B5EF4-FFF2-40B4-BE49-F238E27FC236}">
+                <a16:creationId xmlns:a16="http://schemas.microsoft.com/office/drawing/2014/main" id="{C352C4B4-F5B4-441B-8091-C6F95C021DA4}"/>
+              </a:ext>
+            </a:extLst>
+          </p:cNvPr>
+          <p:cNvSpPr txBox="1"/>
+          <p:nvPr/>
+        </p:nvSpPr>
+        <p:spPr>
+          <a:xfrm>
+            <a:off x="-18854" y="6576322"/>
+            <a:ext cx="6103856" cy="307777"/>
+          </a:xfrm>
+          <a:prstGeom prst="rect">
+            <a:avLst/>
+          </a:prstGeom>
+          <a:noFill/>
+        </p:spPr>
+        <p:txBody>
+          <a:bodyPr wrap="square">
+            <a:spAutoFit/>
+          </a:bodyPr>
+          <a:lstStyle/>
+          <a:p>
+            <a:r>
+              <a:rPr lang="zh-CN" altLang="en-US" sz="1400">
+                <a:hlinkClick r:id="rId6"/>
+              </a:rPr>
+              <a:t>百问网淘宝店铺：</a:t>
+            </a:r>
+            <a:r>
+              <a:rPr lang="en-US" altLang="zh-CN" sz="1400">
+                <a:hlinkClick r:id="rId6"/>
+              </a:rPr>
+              <a:t>https://100ask.taobao.com</a:t>
+            </a:r>
+            <a:r>
+              <a:rPr lang="en-US" altLang="zh-CN" sz="1400"/>
+              <a:t> </a:t>
+            </a:r>
+            <a:endParaRPr lang="zh-CN" altLang="en-US" sz="1400" dirty="0"/>
+          </a:p>
+        </p:txBody>
+      </p:sp>
+      <p:sp>
+        <p:nvSpPr>
+          <p:cNvPr id="11" name="文本框 10">
+            <a:extLst>
+              <a:ext uri="{FF2B5EF4-FFF2-40B4-BE49-F238E27FC236}">
+                <a16:creationId xmlns:a16="http://schemas.microsoft.com/office/drawing/2014/main" id="{013B8E57-16C0-4B2F-A180-04A8983984B5}"/>
+              </a:ext>
+            </a:extLst>
+          </p:cNvPr>
+          <p:cNvSpPr txBox="1"/>
+          <p:nvPr/>
+        </p:nvSpPr>
+        <p:spPr>
+          <a:xfrm>
+            <a:off x="-20957" y="6351288"/>
+            <a:ext cx="6108568" cy="307777"/>
+          </a:xfrm>
+          <a:prstGeom prst="rect">
+            <a:avLst/>
+          </a:prstGeom>
+          <a:noFill/>
+        </p:spPr>
+        <p:txBody>
+          <a:bodyPr wrap="square">
+            <a:spAutoFit/>
+          </a:bodyPr>
+          <a:lstStyle/>
+          <a:p>
+            <a:r>
+              <a:rPr lang="zh-CN" altLang="en-US" sz="1400">
+                <a:hlinkClick r:id="rId7"/>
+              </a:rPr>
+              <a:t>百问网论坛：</a:t>
+            </a:r>
+            <a:r>
+              <a:rPr lang="en-US" altLang="zh-CN" sz="1400">
+                <a:hlinkClick r:id="rId7"/>
+              </a:rPr>
+              <a:t>https://forums.100ask.net</a:t>
+            </a:r>
+            <a:r>
+              <a:rPr lang="en-US" altLang="zh-CN" sz="1400"/>
+              <a:t> </a:t>
+            </a:r>
+            <a:endParaRPr lang="zh-CN" altLang="en-US" sz="1400" dirty="0"/>
+          </a:p>
+        </p:txBody>
+      </p:sp>
+      <p:sp>
+        <p:nvSpPr>
+          <p:cNvPr id="12" name="文本框 11">
+            <a:extLst>
+              <a:ext uri="{FF2B5EF4-FFF2-40B4-BE49-F238E27FC236}">
+                <a16:creationId xmlns:a16="http://schemas.microsoft.com/office/drawing/2014/main" id="{FF29812C-0D57-4341-9796-A3B69A4D07EF}"/>
+              </a:ext>
+            </a:extLst>
+          </p:cNvPr>
+          <p:cNvSpPr txBox="1"/>
+          <p:nvPr/>
+        </p:nvSpPr>
+        <p:spPr>
+          <a:xfrm>
+            <a:off x="0" y="5890815"/>
+            <a:ext cx="6108568" cy="307777"/>
+          </a:xfrm>
+          <a:prstGeom prst="rect">
+            <a:avLst/>
+          </a:prstGeom>
+          <a:noFill/>
+        </p:spPr>
+        <p:txBody>
+          <a:bodyPr wrap="square">
+            <a:spAutoFit/>
+          </a:bodyPr>
+          <a:lstStyle/>
+          <a:p>
+            <a:r>
+              <a:rPr lang="en-US" altLang="zh-CN" sz="1400">
+                <a:hlinkClick r:id="rId7"/>
+              </a:rPr>
+              <a:t>LVGL</a:t>
+            </a:r>
+            <a:r>
+              <a:rPr lang="zh-CN" altLang="en-US" sz="1400">
+                <a:hlinkClick r:id="rId7"/>
+              </a:rPr>
+              <a:t>官方论坛：</a:t>
+            </a:r>
+            <a:r>
+              <a:rPr lang="en-US" altLang="zh-CN" sz="1400">
+                <a:hlinkClick r:id="rId8"/>
+              </a:rPr>
+              <a:t>https://forum.lvgl.io</a:t>
+            </a:r>
+            <a:r>
+              <a:rPr lang="en-US" altLang="zh-CN" sz="1400"/>
+              <a:t> </a:t>
+            </a:r>
+            <a:endParaRPr lang="zh-CN" altLang="en-US" sz="1400" dirty="0"/>
+          </a:p>
+        </p:txBody>
+      </p:sp>
     </p:spTree>
     <p:extLst>
       <p:ext uri="{BB962C8B-B14F-4D97-AF65-F5344CB8AC3E}">
